--- a/supp/Publication/images/RawPPT/2021-SIGGRAPH-ConeJoint.pptx
+++ b/supp/Publication/images/RawPPT/2021-SIGGRAPH-ConeJoint.pptx
@@ -6,8 +6,7 @@
   </p:sldMasterIdLst>
   <p:sldIdLst>
     <p:sldId id="262" r:id="rId2"/>
-    <p:sldId id="260" r:id="rId3"/>
-    <p:sldId id="261" r:id="rId4"/>
+    <p:sldId id="261" r:id="rId3"/>
   </p:sldIdLst>
   <p:sldSz cx="12239625" cy="7199313"/>
   <p:notesSz cx="6858000" cy="9144000"/>
@@ -3098,71 +3097,6 @@
       </p:grpSpPr>
       <p:pic>
         <p:nvPicPr>
-          <p:cNvPr id="4" name="Picture 3" descr="A picture containing text, clipart&#10;&#10;Description automatically generated">
-            <a:extLst>
-              <a:ext uri="{FF2B5EF4-FFF2-40B4-BE49-F238E27FC236}">
-                <a16:creationId xmlns:a16="http://schemas.microsoft.com/office/drawing/2014/main" id="{F544B571-2B6B-E14B-A3EA-A40633FCBAB9}"/>
-              </a:ext>
-            </a:extLst>
-          </p:cNvPr>
-          <p:cNvPicPr>
-            <a:picLocks noChangeAspect="1"/>
-          </p:cNvPicPr>
-          <p:nvPr/>
-        </p:nvPicPr>
-        <p:blipFill rotWithShape="1">
-          <a:blip r:embed="rId2">
-            <a:extLst>
-              <a:ext uri="{28A0092B-C50C-407E-A947-70E740481C1C}">
-                <a14:useLocalDpi xmlns:a14="http://schemas.microsoft.com/office/drawing/2010/main" val="0"/>
-              </a:ext>
-            </a:extLst>
-          </a:blip>
-          <a:srcRect l="34249"/>
-          <a:stretch/>
-        </p:blipFill>
-        <p:spPr>
-          <a:xfrm>
-            <a:off x="-188" y="331722"/>
-            <a:ext cx="12240000" cy="6535868"/>
-          </a:xfrm>
-          <a:prstGeom prst="rect">
-            <a:avLst/>
-          </a:prstGeom>
-        </p:spPr>
-      </p:pic>
-    </p:spTree>
-    <p:extLst>
-      <p:ext uri="{BB962C8B-B14F-4D97-AF65-F5344CB8AC3E}">
-        <p14:creationId xmlns:p14="http://schemas.microsoft.com/office/powerpoint/2010/main" val="598824444"/>
-      </p:ext>
-    </p:extLst>
-  </p:cSld>
-  <p:clrMapOvr>
-    <a:masterClrMapping/>
-  </p:clrMapOvr>
-</p:sld>
-</file>
-
-<file path=ppt/slides/slide3.xml><?xml version="1.0" encoding="utf-8"?>
-<p:sld xmlns:a="http://schemas.openxmlformats.org/drawingml/2006/main" xmlns:r="http://schemas.openxmlformats.org/officeDocument/2006/relationships" xmlns:p="http://schemas.openxmlformats.org/presentationml/2006/main">
-  <p:cSld>
-    <p:spTree>
-      <p:nvGrpSpPr>
-        <p:cNvPr id="1" name=""/>
-        <p:cNvGrpSpPr/>
-        <p:nvPr/>
-      </p:nvGrpSpPr>
-      <p:grpSpPr>
-        <a:xfrm>
-          <a:off x="0" y="0"/>
-          <a:ext cx="0" cy="0"/>
-          <a:chOff x="0" y="0"/>
-          <a:chExt cx="0" cy="0"/>
-        </a:xfrm>
-      </p:grpSpPr>
-      <p:pic>
-        <p:nvPicPr>
           <p:cNvPr id="5" name="Picture 4" descr="A picture containing text, clipart&#10;&#10;Description automatically generated">
             <a:extLst>
               <a:ext uri="{FF2B5EF4-FFF2-40B4-BE49-F238E27FC236}">
